--- a/formula_pic.pptx
+++ b/formula_pic.pptx
@@ -288,6 +288,7 @@
           <a:p>
             <a:fld id="{A2C04DB0-5AA6-4B22-B54F-1920F7999E5D}" type="datetimeFigureOut">
               <a:rPr lang="de-DE" smtClean="0"/>
+              <a:pPr/>
               <a:t>29.10.2019</a:t>
             </a:fld>
             <a:endParaRPr lang="de-DE"/>
@@ -330,6 +331,7 @@
           <a:p>
             <a:fld id="{B1F91C31-8369-4602-ACF7-E1B03847A5D2}" type="slidenum">
               <a:rPr lang="de-DE" smtClean="0"/>
+              <a:pPr/>
               <a:t>‹#›</a:t>
             </a:fld>
             <a:endParaRPr lang="de-DE"/>
@@ -453,6 +455,7 @@
           <a:p>
             <a:fld id="{A2C04DB0-5AA6-4B22-B54F-1920F7999E5D}" type="datetimeFigureOut">
               <a:rPr lang="de-DE" smtClean="0"/>
+              <a:pPr/>
               <a:t>29.10.2019</a:t>
             </a:fld>
             <a:endParaRPr lang="de-DE"/>
@@ -495,6 +498,7 @@
           <a:p>
             <a:fld id="{B1F91C31-8369-4602-ACF7-E1B03847A5D2}" type="slidenum">
               <a:rPr lang="de-DE" smtClean="0"/>
+              <a:pPr/>
               <a:t>‹#›</a:t>
             </a:fld>
             <a:endParaRPr lang="de-DE"/>
@@ -628,6 +632,7 @@
           <a:p>
             <a:fld id="{A2C04DB0-5AA6-4B22-B54F-1920F7999E5D}" type="datetimeFigureOut">
               <a:rPr lang="de-DE" smtClean="0"/>
+              <a:pPr/>
               <a:t>29.10.2019</a:t>
             </a:fld>
             <a:endParaRPr lang="de-DE"/>
@@ -670,6 +675,7 @@
           <a:p>
             <a:fld id="{B1F91C31-8369-4602-ACF7-E1B03847A5D2}" type="slidenum">
               <a:rPr lang="de-DE" smtClean="0"/>
+              <a:pPr/>
               <a:t>‹#›</a:t>
             </a:fld>
             <a:endParaRPr lang="de-DE"/>
@@ -793,6 +799,7 @@
           <a:p>
             <a:fld id="{A2C04DB0-5AA6-4B22-B54F-1920F7999E5D}" type="datetimeFigureOut">
               <a:rPr lang="de-DE" smtClean="0"/>
+              <a:pPr/>
               <a:t>29.10.2019</a:t>
             </a:fld>
             <a:endParaRPr lang="de-DE"/>
@@ -835,6 +842,7 @@
           <a:p>
             <a:fld id="{B1F91C31-8369-4602-ACF7-E1B03847A5D2}" type="slidenum">
               <a:rPr lang="de-DE" smtClean="0"/>
+              <a:pPr/>
               <a:t>‹#›</a:t>
             </a:fld>
             <a:endParaRPr lang="de-DE"/>
@@ -1034,6 +1042,7 @@
           <a:p>
             <a:fld id="{A2C04DB0-5AA6-4B22-B54F-1920F7999E5D}" type="datetimeFigureOut">
               <a:rPr lang="de-DE" smtClean="0"/>
+              <a:pPr/>
               <a:t>29.10.2019</a:t>
             </a:fld>
             <a:endParaRPr lang="de-DE"/>
@@ -1076,6 +1085,7 @@
           <a:p>
             <a:fld id="{B1F91C31-8369-4602-ACF7-E1B03847A5D2}" type="slidenum">
               <a:rPr lang="de-DE" smtClean="0"/>
+              <a:pPr/>
               <a:t>‹#›</a:t>
             </a:fld>
             <a:endParaRPr lang="de-DE"/>
@@ -1317,6 +1327,7 @@
           <a:p>
             <a:fld id="{A2C04DB0-5AA6-4B22-B54F-1920F7999E5D}" type="datetimeFigureOut">
               <a:rPr lang="de-DE" smtClean="0"/>
+              <a:pPr/>
               <a:t>29.10.2019</a:t>
             </a:fld>
             <a:endParaRPr lang="de-DE"/>
@@ -1359,6 +1370,7 @@
           <a:p>
             <a:fld id="{B1F91C31-8369-4602-ACF7-E1B03847A5D2}" type="slidenum">
               <a:rPr lang="de-DE" smtClean="0"/>
+              <a:pPr/>
               <a:t>‹#›</a:t>
             </a:fld>
             <a:endParaRPr lang="de-DE"/>
@@ -1734,6 +1746,7 @@
           <a:p>
             <a:fld id="{A2C04DB0-5AA6-4B22-B54F-1920F7999E5D}" type="datetimeFigureOut">
               <a:rPr lang="de-DE" smtClean="0"/>
+              <a:pPr/>
               <a:t>29.10.2019</a:t>
             </a:fld>
             <a:endParaRPr lang="de-DE"/>
@@ -1776,6 +1789,7 @@
           <a:p>
             <a:fld id="{B1F91C31-8369-4602-ACF7-E1B03847A5D2}" type="slidenum">
               <a:rPr lang="de-DE" smtClean="0"/>
+              <a:pPr/>
               <a:t>‹#›</a:t>
             </a:fld>
             <a:endParaRPr lang="de-DE"/>
@@ -1847,6 +1861,7 @@
           <a:p>
             <a:fld id="{A2C04DB0-5AA6-4B22-B54F-1920F7999E5D}" type="datetimeFigureOut">
               <a:rPr lang="de-DE" smtClean="0"/>
+              <a:pPr/>
               <a:t>29.10.2019</a:t>
             </a:fld>
             <a:endParaRPr lang="de-DE"/>
@@ -1889,6 +1904,7 @@
           <a:p>
             <a:fld id="{B1F91C31-8369-4602-ACF7-E1B03847A5D2}" type="slidenum">
               <a:rPr lang="de-DE" smtClean="0"/>
+              <a:pPr/>
               <a:t>‹#›</a:t>
             </a:fld>
             <a:endParaRPr lang="de-DE"/>
@@ -1937,6 +1953,7 @@
           <a:p>
             <a:fld id="{A2C04DB0-5AA6-4B22-B54F-1920F7999E5D}" type="datetimeFigureOut">
               <a:rPr lang="de-DE" smtClean="0"/>
+              <a:pPr/>
               <a:t>29.10.2019</a:t>
             </a:fld>
             <a:endParaRPr lang="de-DE"/>
@@ -1979,6 +1996,7 @@
           <a:p>
             <a:fld id="{B1F91C31-8369-4602-ACF7-E1B03847A5D2}" type="slidenum">
               <a:rPr lang="de-DE" smtClean="0"/>
+              <a:pPr/>
               <a:t>‹#›</a:t>
             </a:fld>
             <a:endParaRPr lang="de-DE"/>
@@ -2209,6 +2227,7 @@
           <a:p>
             <a:fld id="{A2C04DB0-5AA6-4B22-B54F-1920F7999E5D}" type="datetimeFigureOut">
               <a:rPr lang="de-DE" smtClean="0"/>
+              <a:pPr/>
               <a:t>29.10.2019</a:t>
             </a:fld>
             <a:endParaRPr lang="de-DE"/>
@@ -2251,6 +2270,7 @@
           <a:p>
             <a:fld id="{B1F91C31-8369-4602-ACF7-E1B03847A5D2}" type="slidenum">
               <a:rPr lang="de-DE" smtClean="0"/>
+              <a:pPr/>
               <a:t>‹#›</a:t>
             </a:fld>
             <a:endParaRPr lang="de-DE"/>
@@ -2457,6 +2477,7 @@
           <a:p>
             <a:fld id="{A2C04DB0-5AA6-4B22-B54F-1920F7999E5D}" type="datetimeFigureOut">
               <a:rPr lang="de-DE" smtClean="0"/>
+              <a:pPr/>
               <a:t>29.10.2019</a:t>
             </a:fld>
             <a:endParaRPr lang="de-DE"/>
@@ -2499,6 +2520,7 @@
           <a:p>
             <a:fld id="{B1F91C31-8369-4602-ACF7-E1B03847A5D2}" type="slidenum">
               <a:rPr lang="de-DE" smtClean="0"/>
+              <a:pPr/>
               <a:t>‹#›</a:t>
             </a:fld>
             <a:endParaRPr lang="de-DE"/>
@@ -2665,6 +2687,7 @@
           <a:p>
             <a:fld id="{A2C04DB0-5AA6-4B22-B54F-1920F7999E5D}" type="datetimeFigureOut">
               <a:rPr lang="de-DE" smtClean="0"/>
+              <a:pPr/>
               <a:t>29.10.2019</a:t>
             </a:fld>
             <a:endParaRPr lang="de-DE"/>
@@ -2743,6 +2766,7 @@
           <a:p>
             <a:fld id="{B1F91C31-8369-4602-ACF7-E1B03847A5D2}" type="slidenum">
               <a:rPr lang="de-DE" smtClean="0"/>
+              <a:pPr/>
               <a:t>‹#›</a:t>
             </a:fld>
             <a:endParaRPr lang="de-DE"/>
@@ -3037,269 +3061,341 @@
       </p:grpSpPr>
       <p:grpSp>
         <p:nvGrpSpPr>
-          <p:cNvPr id="16" name="Group 15"/>
+          <p:cNvPr id="12" name="Group 11"/>
           <p:cNvGrpSpPr/>
           <p:nvPr/>
         </p:nvGrpSpPr>
         <p:grpSpPr>
           <a:xfrm>
-            <a:off x="1115616" y="2132856"/>
-            <a:ext cx="6768752" cy="1553319"/>
-            <a:chOff x="1115616" y="2132856"/>
-            <a:chExt cx="6768752" cy="1553319"/>
+            <a:off x="899592" y="1844824"/>
+            <a:ext cx="7200800" cy="2088232"/>
+            <a:chOff x="899592" y="1844824"/>
+            <a:chExt cx="7200800" cy="2088232"/>
           </a:xfrm>
         </p:grpSpPr>
-        <p:pic>
-          <p:nvPicPr>
-            <p:cNvPr id="1026" name="Picture 2"/>
-            <p:cNvPicPr>
-              <a:picLocks noChangeAspect="1" noChangeArrowheads="1"/>
-            </p:cNvPicPr>
+        <p:sp>
+          <p:nvSpPr>
+            <p:cNvPr id="11" name="Rectangle 10"/>
+            <p:cNvSpPr/>
             <p:nvPr/>
-          </p:nvPicPr>
-          <p:blipFill>
-            <a:blip r:embed="rId2" cstate="print"/>
-            <a:srcRect/>
-            <a:stretch>
-              <a:fillRect/>
-            </a:stretch>
-          </p:blipFill>
-          <p:spPr bwMode="auto">
+          </p:nvSpPr>
+          <p:spPr>
             <a:xfrm>
-              <a:off x="1323975" y="3171825"/>
-              <a:ext cx="6496050" cy="514350"/>
+              <a:off x="899592" y="1844824"/>
+              <a:ext cx="7200800" cy="2088232"/>
             </a:xfrm>
             <a:prstGeom prst="rect">
               <a:avLst/>
             </a:prstGeom>
-            <a:noFill/>
-            <a:ln w="9525">
-              <a:noFill/>
-              <a:miter lim="800000"/>
-              <a:headEnd/>
-              <a:tailEnd/>
-            </a:ln>
-          </p:spPr>
-        </p:pic>
-        <p:sp>
-          <p:nvSpPr>
-            <p:cNvPr id="5" name="TextBox 4"/>
-            <p:cNvSpPr txBox="1"/>
-            <p:nvPr/>
-          </p:nvSpPr>
-          <p:spPr>
-            <a:xfrm>
-              <a:off x="5652120" y="2132856"/>
-              <a:ext cx="2232248" cy="646331"/>
-            </a:xfrm>
-            <a:prstGeom prst="rect">
-              <a:avLst/>
-            </a:prstGeom>
-            <a:noFill/>
-          </p:spPr>
-          <p:txBody>
-            <a:bodyPr wrap="square" rtlCol="0">
-              <a:spAutoFit/>
-            </a:bodyPr>
-            <a:lstStyle/>
-            <a:p>
-              <a:r>
-                <a:rPr lang="de-DE" sz="1200" b="1" dirty="0" smtClean="0">
-                  <a:solidFill>
-                    <a:srgbClr val="FF0000"/>
-                  </a:solidFill>
-                </a:rPr>
-                <a:t>The original score expressed  as standard steps distance from the possible maximum score</a:t>
-              </a:r>
-              <a:endParaRPr lang="de-DE" sz="1200" b="1" dirty="0">
-                <a:solidFill>
-                  <a:srgbClr val="FF0000"/>
-                </a:solidFill>
-              </a:endParaRPr>
-            </a:p>
-          </p:txBody>
-        </p:sp>
-        <p:sp>
-          <p:nvSpPr>
-            <p:cNvPr id="6" name="TextBox 5"/>
-            <p:cNvSpPr txBox="1"/>
-            <p:nvPr/>
-          </p:nvSpPr>
-          <p:spPr>
-            <a:xfrm>
-              <a:off x="3347864" y="2132856"/>
-              <a:ext cx="2232248" cy="461665"/>
-            </a:xfrm>
-            <a:prstGeom prst="rect">
-              <a:avLst/>
-            </a:prstGeom>
-            <a:noFill/>
-          </p:spPr>
-          <p:txBody>
-            <a:bodyPr wrap="square" rtlCol="0">
-              <a:spAutoFit/>
-            </a:bodyPr>
-            <a:lstStyle/>
-            <a:p>
-              <a:r>
-                <a:rPr lang="de-DE" sz="1200" b="1" dirty="0" smtClean="0">
-                  <a:solidFill>
-                    <a:srgbClr val="0066FF"/>
-                  </a:solidFill>
-                </a:rPr>
-                <a:t>The standard steps on the new scale</a:t>
-              </a:r>
-              <a:endParaRPr lang="de-DE" sz="1200" b="1" dirty="0">
-                <a:solidFill>
-                  <a:srgbClr val="0066FF"/>
-                </a:solidFill>
-              </a:endParaRPr>
-            </a:p>
-          </p:txBody>
-        </p:sp>
-        <p:sp>
-          <p:nvSpPr>
-            <p:cNvPr id="7" name="TextBox 6"/>
-            <p:cNvSpPr txBox="1"/>
-            <p:nvPr/>
-          </p:nvSpPr>
-          <p:spPr>
-            <a:xfrm>
-              <a:off x="1115616" y="2132856"/>
-              <a:ext cx="2232248" cy="461665"/>
-            </a:xfrm>
-            <a:prstGeom prst="rect">
-              <a:avLst/>
-            </a:prstGeom>
-            <a:noFill/>
-          </p:spPr>
-          <p:txBody>
-            <a:bodyPr wrap="square" rtlCol="0">
-              <a:spAutoFit/>
-            </a:bodyPr>
-            <a:lstStyle/>
-            <a:p>
-              <a:r>
-                <a:rPr lang="de-DE" sz="1200" b="1" dirty="0" smtClean="0">
-                  <a:solidFill>
-                    <a:srgbClr val="FFC000"/>
-                  </a:solidFill>
-                </a:rPr>
-                <a:t>The maximum score on the new scale</a:t>
-              </a:r>
-              <a:endParaRPr lang="de-DE" sz="1200" b="1" dirty="0">
-                <a:solidFill>
-                  <a:srgbClr val="FFC000"/>
-                </a:solidFill>
-              </a:endParaRPr>
-            </a:p>
-          </p:txBody>
-        </p:sp>
-        <p:cxnSp>
-          <p:nvCxnSpPr>
-            <p:cNvPr id="9" name="Straight Arrow Connector 8"/>
-            <p:cNvCxnSpPr>
-              <a:stCxn id="7" idx="2"/>
-            </p:cNvCxnSpPr>
-            <p:nvPr/>
-          </p:nvCxnSpPr>
-          <p:spPr>
-            <a:xfrm>
-              <a:off x="2231740" y="2594521"/>
-              <a:ext cx="180020" cy="546447"/>
-            </a:xfrm>
-            <a:prstGeom prst="straightConnector1">
-              <a:avLst/>
-            </a:prstGeom>
+            <a:solidFill>
+              <a:schemeClr val="bg1"/>
+            </a:solidFill>
             <a:ln>
-              <a:tailEnd type="arrow"/>
+              <a:solidFill>
+                <a:schemeClr val="bg1"/>
+              </a:solidFill>
             </a:ln>
           </p:spPr>
           <p:style>
-            <a:lnRef idx="1">
-              <a:schemeClr val="accent1"/>
+            <a:lnRef idx="2">
+              <a:schemeClr val="accent1">
+                <a:shade val="50000"/>
+              </a:schemeClr>
             </a:lnRef>
-            <a:fillRef idx="0">
+            <a:fillRef idx="1">
               <a:schemeClr val="accent1"/>
             </a:fillRef>
             <a:effectRef idx="0">
               <a:schemeClr val="accent1"/>
             </a:effectRef>
             <a:fontRef idx="minor">
-              <a:schemeClr val="tx1"/>
+              <a:schemeClr val="lt1"/>
             </a:fontRef>
           </p:style>
-        </p:cxnSp>
-        <p:cxnSp>
-          <p:nvCxnSpPr>
-            <p:cNvPr id="10" name="Straight Arrow Connector 9"/>
-            <p:cNvCxnSpPr>
-              <a:stCxn id="6" idx="2"/>
-            </p:cNvCxnSpPr>
+          <p:txBody>
+            <a:bodyPr rtlCol="0" anchor="ctr"/>
+            <a:lstStyle/>
+            <a:p>
+              <a:pPr algn="ctr"/>
+              <a:endParaRPr lang="de-DE"/>
+            </a:p>
+          </p:txBody>
+        </p:sp>
+        <p:grpSp>
+          <p:nvGrpSpPr>
+            <p:cNvPr id="16" name="Group 15"/>
+            <p:cNvGrpSpPr/>
             <p:nvPr/>
-          </p:nvCxnSpPr>
-          <p:spPr>
-            <a:xfrm flipH="1">
-              <a:off x="4427984" y="2594521"/>
-              <a:ext cx="36004" cy="546447"/>
+          </p:nvGrpSpPr>
+          <p:grpSpPr>
+            <a:xfrm>
+              <a:off x="1115616" y="2132856"/>
+              <a:ext cx="6768752" cy="1553319"/>
+              <a:chOff x="1115616" y="2132856"/>
+              <a:chExt cx="6768752" cy="1553319"/>
             </a:xfrm>
-            <a:prstGeom prst="straightConnector1">
-              <a:avLst/>
-            </a:prstGeom>
-            <a:ln>
-              <a:tailEnd type="arrow"/>
-            </a:ln>
-          </p:spPr>
-          <p:style>
-            <a:lnRef idx="1">
-              <a:schemeClr val="accent1"/>
-            </a:lnRef>
-            <a:fillRef idx="0">
-              <a:schemeClr val="accent1"/>
-            </a:fillRef>
-            <a:effectRef idx="0">
-              <a:schemeClr val="accent1"/>
-            </a:effectRef>
-            <a:fontRef idx="minor">
-              <a:schemeClr val="tx1"/>
-            </a:fontRef>
-          </p:style>
-        </p:cxnSp>
-        <p:cxnSp>
-          <p:nvCxnSpPr>
-            <p:cNvPr id="13" name="Straight Arrow Connector 12"/>
-            <p:cNvCxnSpPr>
-              <a:stCxn id="5" idx="2"/>
-            </p:cNvCxnSpPr>
-            <p:nvPr/>
-          </p:nvCxnSpPr>
-          <p:spPr>
-            <a:xfrm flipH="1">
-              <a:off x="6588224" y="2779187"/>
-              <a:ext cx="180020" cy="361781"/>
-            </a:xfrm>
-            <a:prstGeom prst="straightConnector1">
-              <a:avLst/>
-            </a:prstGeom>
-            <a:ln>
-              <a:tailEnd type="arrow"/>
-            </a:ln>
-          </p:spPr>
-          <p:style>
-            <a:lnRef idx="1">
-              <a:schemeClr val="accent1"/>
-            </a:lnRef>
-            <a:fillRef idx="0">
-              <a:schemeClr val="accent1"/>
-            </a:fillRef>
-            <a:effectRef idx="0">
-              <a:schemeClr val="accent1"/>
-            </a:effectRef>
-            <a:fontRef idx="minor">
-              <a:schemeClr val="tx1"/>
-            </a:fontRef>
-          </p:style>
-        </p:cxnSp>
+          </p:grpSpPr>
+          <p:pic>
+            <p:nvPicPr>
+              <p:cNvPr id="1026" name="Picture 2"/>
+              <p:cNvPicPr>
+                <a:picLocks noChangeAspect="1" noChangeArrowheads="1"/>
+              </p:cNvPicPr>
+              <p:nvPr/>
+            </p:nvPicPr>
+            <p:blipFill>
+              <a:blip r:embed="rId2" cstate="print"/>
+              <a:srcRect/>
+              <a:stretch>
+                <a:fillRect/>
+              </a:stretch>
+            </p:blipFill>
+            <p:spPr bwMode="auto">
+              <a:xfrm>
+                <a:off x="1323975" y="3171825"/>
+                <a:ext cx="6496050" cy="514350"/>
+              </a:xfrm>
+              <a:prstGeom prst="rect">
+                <a:avLst/>
+              </a:prstGeom>
+              <a:noFill/>
+              <a:ln w="9525">
+                <a:noFill/>
+                <a:miter lim="800000"/>
+                <a:headEnd/>
+                <a:tailEnd/>
+              </a:ln>
+            </p:spPr>
+          </p:pic>
+          <p:sp>
+            <p:nvSpPr>
+              <p:cNvPr id="5" name="TextBox 4"/>
+              <p:cNvSpPr txBox="1"/>
+              <p:nvPr/>
+            </p:nvSpPr>
+            <p:spPr>
+              <a:xfrm>
+                <a:off x="5652120" y="2132856"/>
+                <a:ext cx="2232248" cy="646331"/>
+              </a:xfrm>
+              <a:prstGeom prst="rect">
+                <a:avLst/>
+              </a:prstGeom>
+              <a:noFill/>
+            </p:spPr>
+            <p:txBody>
+              <a:bodyPr wrap="square" rtlCol="0">
+                <a:spAutoFit/>
+              </a:bodyPr>
+              <a:lstStyle/>
+              <a:p>
+                <a:r>
+                  <a:rPr lang="de-DE" sz="1200" b="1" dirty="0" smtClean="0">
+                    <a:solidFill>
+                      <a:srgbClr val="FF0000"/>
+                    </a:solidFill>
+                  </a:rPr>
+                  <a:t>The original score expressed  as standard steps distance from the possible maximum score</a:t>
+                </a:r>
+                <a:endParaRPr lang="de-DE" sz="1200" b="1" dirty="0">
+                  <a:solidFill>
+                    <a:srgbClr val="FF0000"/>
+                  </a:solidFill>
+                </a:endParaRPr>
+              </a:p>
+            </p:txBody>
+          </p:sp>
+          <p:sp>
+            <p:nvSpPr>
+              <p:cNvPr id="6" name="TextBox 5"/>
+              <p:cNvSpPr txBox="1"/>
+              <p:nvPr/>
+            </p:nvSpPr>
+            <p:spPr>
+              <a:xfrm>
+                <a:off x="3347864" y="2132856"/>
+                <a:ext cx="2232248" cy="461665"/>
+              </a:xfrm>
+              <a:prstGeom prst="rect">
+                <a:avLst/>
+              </a:prstGeom>
+              <a:noFill/>
+            </p:spPr>
+            <p:txBody>
+              <a:bodyPr wrap="square" rtlCol="0">
+                <a:spAutoFit/>
+              </a:bodyPr>
+              <a:lstStyle/>
+              <a:p>
+                <a:r>
+                  <a:rPr lang="de-DE" sz="1200" b="1" dirty="0" smtClean="0">
+                    <a:solidFill>
+                      <a:srgbClr val="0066FF"/>
+                    </a:solidFill>
+                  </a:rPr>
+                  <a:t>The standard steps on the new scale</a:t>
+                </a:r>
+                <a:endParaRPr lang="de-DE" sz="1200" b="1" dirty="0">
+                  <a:solidFill>
+                    <a:srgbClr val="0066FF"/>
+                  </a:solidFill>
+                </a:endParaRPr>
+              </a:p>
+            </p:txBody>
+          </p:sp>
+          <p:sp>
+            <p:nvSpPr>
+              <p:cNvPr id="7" name="TextBox 6"/>
+              <p:cNvSpPr txBox="1"/>
+              <p:nvPr/>
+            </p:nvSpPr>
+            <p:spPr>
+              <a:xfrm>
+                <a:off x="1115616" y="2132856"/>
+                <a:ext cx="2232248" cy="461665"/>
+              </a:xfrm>
+              <a:prstGeom prst="rect">
+                <a:avLst/>
+              </a:prstGeom>
+              <a:noFill/>
+            </p:spPr>
+            <p:txBody>
+              <a:bodyPr wrap="square" rtlCol="0">
+                <a:spAutoFit/>
+              </a:bodyPr>
+              <a:lstStyle/>
+              <a:p>
+                <a:r>
+                  <a:rPr lang="de-DE" sz="1200" b="1" dirty="0" smtClean="0">
+                    <a:solidFill>
+                      <a:srgbClr val="FFC000"/>
+                    </a:solidFill>
+                  </a:rPr>
+                  <a:t>The maximum score on the new scale</a:t>
+                </a:r>
+                <a:endParaRPr lang="de-DE" sz="1200" b="1" dirty="0">
+                  <a:solidFill>
+                    <a:srgbClr val="FFC000"/>
+                  </a:solidFill>
+                </a:endParaRPr>
+              </a:p>
+            </p:txBody>
+          </p:sp>
+          <p:cxnSp>
+            <p:nvCxnSpPr>
+              <p:cNvPr id="9" name="Straight Arrow Connector 8"/>
+              <p:cNvCxnSpPr>
+                <a:stCxn id="7" idx="2"/>
+              </p:cNvCxnSpPr>
+              <p:nvPr/>
+            </p:nvCxnSpPr>
+            <p:spPr>
+              <a:xfrm>
+                <a:off x="2231740" y="2594521"/>
+                <a:ext cx="180020" cy="546447"/>
+              </a:xfrm>
+              <a:prstGeom prst="straightConnector1">
+                <a:avLst/>
+              </a:prstGeom>
+              <a:ln>
+                <a:solidFill>
+                  <a:srgbClr val="FFC000"/>
+                </a:solidFill>
+                <a:tailEnd type="arrow"/>
+              </a:ln>
+            </p:spPr>
+            <p:style>
+              <a:lnRef idx="1">
+                <a:schemeClr val="accent1"/>
+              </a:lnRef>
+              <a:fillRef idx="0">
+                <a:schemeClr val="accent1"/>
+              </a:fillRef>
+              <a:effectRef idx="0">
+                <a:schemeClr val="accent1"/>
+              </a:effectRef>
+              <a:fontRef idx="minor">
+                <a:schemeClr val="tx1"/>
+              </a:fontRef>
+            </p:style>
+          </p:cxnSp>
+          <p:cxnSp>
+            <p:nvCxnSpPr>
+              <p:cNvPr id="10" name="Straight Arrow Connector 9"/>
+              <p:cNvCxnSpPr>
+                <a:stCxn id="6" idx="2"/>
+              </p:cNvCxnSpPr>
+              <p:nvPr/>
+            </p:nvCxnSpPr>
+            <p:spPr>
+              <a:xfrm flipH="1">
+                <a:off x="4427984" y="2594521"/>
+                <a:ext cx="36004" cy="546447"/>
+              </a:xfrm>
+              <a:prstGeom prst="straightConnector1">
+                <a:avLst/>
+              </a:prstGeom>
+              <a:ln>
+                <a:solidFill>
+                  <a:srgbClr val="0066FF"/>
+                </a:solidFill>
+                <a:tailEnd type="arrow"/>
+              </a:ln>
+            </p:spPr>
+            <p:style>
+              <a:lnRef idx="1">
+                <a:schemeClr val="accent1"/>
+              </a:lnRef>
+              <a:fillRef idx="0">
+                <a:schemeClr val="accent1"/>
+              </a:fillRef>
+              <a:effectRef idx="0">
+                <a:schemeClr val="accent1"/>
+              </a:effectRef>
+              <a:fontRef idx="minor">
+                <a:schemeClr val="tx1"/>
+              </a:fontRef>
+            </p:style>
+          </p:cxnSp>
+          <p:cxnSp>
+            <p:nvCxnSpPr>
+              <p:cNvPr id="13" name="Straight Arrow Connector 12"/>
+              <p:cNvCxnSpPr>
+                <a:stCxn id="5" idx="2"/>
+              </p:cNvCxnSpPr>
+              <p:nvPr/>
+            </p:nvCxnSpPr>
+            <p:spPr>
+              <a:xfrm flipH="1">
+                <a:off x="6588224" y="2779187"/>
+                <a:ext cx="180020" cy="361781"/>
+              </a:xfrm>
+              <a:prstGeom prst="straightConnector1">
+                <a:avLst/>
+              </a:prstGeom>
+              <a:ln>
+                <a:solidFill>
+                  <a:srgbClr val="FF0000"/>
+                </a:solidFill>
+                <a:tailEnd type="arrow"/>
+              </a:ln>
+            </p:spPr>
+            <p:style>
+              <a:lnRef idx="1">
+                <a:schemeClr val="accent1"/>
+              </a:lnRef>
+              <a:fillRef idx="0">
+                <a:schemeClr val="accent1"/>
+              </a:fillRef>
+              <a:effectRef idx="0">
+                <a:schemeClr val="accent1"/>
+              </a:effectRef>
+              <a:fontRef idx="minor">
+                <a:schemeClr val="tx1"/>
+              </a:fontRef>
+            </p:style>
+          </p:cxnSp>
+        </p:grpSp>
       </p:grpSp>
     </p:spTree>
   </p:cSld>
